--- a/mvc/slides/06_Config.pptx
+++ b/mvc/slides/06_Config.pptx
@@ -248,7 +248,7 @@
               <a:pPr>
                 <a:defRPr/>
               </a:pPr>
-              <a:t>8/17/2012</a:t>
+              <a:t>8/21/2012</a:t>
             </a:fld>
             <a:endParaRPr lang="en-US"/>
           </a:p>
@@ -3037,80 +3037,79 @@
             </a:r>
             <a:r>
               <a:rPr lang="en-US" dirty="0" smtClean="0"/>
-              <a:t> </a:t>
-            </a:r>
-            <a:r>
-              <a:rPr lang="en-US" dirty="0" smtClean="0"/>
-              <a:t>is a development host</a:t>
+              <a:t> is a development host</a:t>
             </a:r>
           </a:p>
           <a:p>
             <a:pPr lvl="1"/>
             <a:r>
               <a:rPr lang="en-US" dirty="0" smtClean="0"/>
-              <a:t>Default for Visual Studio </a:t>
-            </a:r>
-            <a:r>
-              <a:rPr lang="en-US" dirty="0" smtClean="0"/>
-              <a:t>2012</a:t>
+              <a:t>Default for Visual Studio 2012</a:t>
+            </a:r>
+          </a:p>
+          <a:p>
+            <a:pPr lvl="1"/>
+            <a:r>
+              <a:rPr lang="en-US" dirty="0" smtClean="0"/>
+              <a:t>Rejects remote requests</a:t>
+            </a:r>
+          </a:p>
+          <a:p>
+            <a:pPr lvl="1"/>
+            <a:r>
+              <a:rPr lang="en-US" dirty="0" smtClean="0"/>
+              <a:t>Runs with your identity</a:t>
+            </a:r>
+          </a:p>
+          <a:p>
+            <a:r>
+              <a:rPr lang="en-US" dirty="0" smtClean="0"/>
+              <a:t>IIS is a production web server</a:t>
+            </a:r>
+          </a:p>
+          <a:p>
+            <a:pPr lvl="1"/>
+            <a:r>
+              <a:rPr lang="en-US" dirty="0" smtClean="0"/>
+              <a:t>Available on both server and personal version of Windows</a:t>
+            </a:r>
+          </a:p>
+          <a:p>
+            <a:pPr lvl="1"/>
+            <a:r>
+              <a:rPr lang="en-US" dirty="0" smtClean="0"/>
+              <a:t>Includes management and diagnostic tools</a:t>
+            </a:r>
+          </a:p>
+          <a:p>
+            <a:pPr lvl="1"/>
+            <a:r>
+              <a:rPr lang="en-US" dirty="0" smtClean="0"/>
+              <a:t>“Off by default”. </a:t>
+            </a:r>
+          </a:p>
+          <a:p>
+            <a:pPr lvl="1"/>
+            <a:r>
+              <a:rPr lang="en-US" dirty="0" smtClean="0"/>
+              <a:t>Can host various frameworks &amp; </a:t>
+            </a:r>
+            <a:r>
+              <a:rPr lang="en-US" dirty="0" smtClean="0"/>
+              <a:t>protocols</a:t>
+            </a:r>
+          </a:p>
+          <a:p>
+            <a:pPr lvl="1"/>
+            <a:r>
+              <a:rPr lang="en-US" dirty="0" smtClean="0"/>
+              <a:t>Install with </a:t>
+            </a:r>
+            <a:r>
+              <a:rPr lang="en-US" dirty="0" err="1" smtClean="0"/>
+              <a:t>WebPI</a:t>
             </a:r>
             <a:endParaRPr lang="en-US" dirty="0" smtClean="0"/>
-          </a:p>
-          <a:p>
-            <a:pPr lvl="1"/>
-            <a:r>
-              <a:rPr lang="en-US" dirty="0" smtClean="0"/>
-              <a:t>Rejects remote requests</a:t>
-            </a:r>
-          </a:p>
-          <a:p>
-            <a:pPr lvl="1"/>
-            <a:r>
-              <a:rPr lang="en-US" dirty="0" smtClean="0"/>
-              <a:t>Runs with your identity</a:t>
-            </a:r>
-          </a:p>
-          <a:p>
-            <a:r>
-              <a:rPr lang="en-US" dirty="0" smtClean="0"/>
-              <a:t>IIS </a:t>
-            </a:r>
-            <a:r>
-              <a:rPr lang="en-US" dirty="0" smtClean="0"/>
-              <a:t>is a production web server</a:t>
-            </a:r>
-          </a:p>
-          <a:p>
-            <a:pPr lvl="1"/>
-            <a:r>
-              <a:rPr lang="en-US" dirty="0" smtClean="0"/>
-              <a:t>Available on both server and personal version of Windows</a:t>
-            </a:r>
-          </a:p>
-          <a:p>
-            <a:pPr lvl="1"/>
-            <a:r>
-              <a:rPr lang="en-US" dirty="0" smtClean="0"/>
-              <a:t>Includes </a:t>
-            </a:r>
-            <a:r>
-              <a:rPr lang="en-US" dirty="0" smtClean="0"/>
-              <a:t>management and diagnostic tools</a:t>
-            </a:r>
-          </a:p>
-          <a:p>
-            <a:pPr lvl="1"/>
-            <a:r>
-              <a:rPr lang="en-US" dirty="0" smtClean="0"/>
-              <a:t>“Off by default”. </a:t>
-            </a:r>
-          </a:p>
-          <a:p>
-            <a:pPr lvl="1"/>
-            <a:r>
-              <a:rPr lang="en-US" dirty="0" smtClean="0"/>
-              <a:t>Can host various frameworks &amp; protocols</a:t>
-            </a:r>
           </a:p>
           <a:p>
             <a:pPr lvl="1"/>
